--- a/ppt 16-9/1530.蒙恩的人.pptx
+++ b/ppt 16-9/1530.蒙恩的人.pptx
@@ -129,7 +129,7 @@
           <p:cNvPr id="2" name="标题 1">
             <a:extLst>
               <a:ext uri="{FF2B5EF4-FFF2-40B4-BE49-F238E27FC236}">
-                <a16:creationId xmlns:a16="http://schemas.microsoft.com/office/drawing/2014/main" id="{1DC82197-AA2A-D15A-1B8C-B5A3F2C82DCF}"/>
+                <a16:creationId xmlns:a16="http://schemas.microsoft.com/office/drawing/2014/main" id="{B01A632D-60E4-DCAC-F5DE-A22A701E4B38}"/>
               </a:ext>
             </a:extLst>
           </p:cNvPr>
@@ -166,7 +166,7 @@
           <p:cNvPr id="3" name="副标题 2">
             <a:extLst>
               <a:ext uri="{FF2B5EF4-FFF2-40B4-BE49-F238E27FC236}">
-                <a16:creationId xmlns:a16="http://schemas.microsoft.com/office/drawing/2014/main" id="{B22FC0B9-1BA0-C628-1F26-368B4A3DB4E3}"/>
+                <a16:creationId xmlns:a16="http://schemas.microsoft.com/office/drawing/2014/main" id="{3A69DF39-2E54-8FD8-986F-BE3DAC1762A4}"/>
               </a:ext>
             </a:extLst>
           </p:cNvPr>
@@ -236,7 +236,7 @@
           <p:cNvPr id="4" name="日期占位符 3">
             <a:extLst>
               <a:ext uri="{FF2B5EF4-FFF2-40B4-BE49-F238E27FC236}">
-                <a16:creationId xmlns:a16="http://schemas.microsoft.com/office/drawing/2014/main" id="{25128073-BD36-2619-7AFA-9E098DFE7671}"/>
+                <a16:creationId xmlns:a16="http://schemas.microsoft.com/office/drawing/2014/main" id="{180CE340-05D8-40B4-A74F-23E14CE149C1}"/>
               </a:ext>
             </a:extLst>
           </p:cNvPr>
@@ -252,7 +252,7 @@
           <a:bodyPr/>
           <a:lstStyle/>
           <a:p>
-            <a:fld id="{500258B0-7BD2-49BC-B007-2896AF78E91B}" type="datetimeFigureOut">
+            <a:fld id="{4E6D7EE3-55C4-4A71-B371-7195F9A809BC}" type="datetimeFigureOut">
               <a:rPr lang="zh-CN" altLang="en-US" smtClean="0"/>
               <a:t>2024/3/10</a:t>
             </a:fld>
@@ -265,7 +265,7 @@
           <p:cNvPr id="5" name="页脚占位符 4">
             <a:extLst>
               <a:ext uri="{FF2B5EF4-FFF2-40B4-BE49-F238E27FC236}">
-                <a16:creationId xmlns:a16="http://schemas.microsoft.com/office/drawing/2014/main" id="{77BB2708-CD37-046C-189D-990E0C75C8D7}"/>
+                <a16:creationId xmlns:a16="http://schemas.microsoft.com/office/drawing/2014/main" id="{04020AFC-1FE8-0614-206A-C935F4112163}"/>
               </a:ext>
             </a:extLst>
           </p:cNvPr>
@@ -290,7 +290,7 @@
           <p:cNvPr id="6" name="灯片编号占位符 5">
             <a:extLst>
               <a:ext uri="{FF2B5EF4-FFF2-40B4-BE49-F238E27FC236}">
-                <a16:creationId xmlns:a16="http://schemas.microsoft.com/office/drawing/2014/main" id="{9841CC35-DB12-22A9-0D8D-DD2BC770562A}"/>
+                <a16:creationId xmlns:a16="http://schemas.microsoft.com/office/drawing/2014/main" id="{6D59B452-1442-9EB2-37E2-2FCB88B7B85B}"/>
               </a:ext>
             </a:extLst>
           </p:cNvPr>
@@ -306,7 +306,7 @@
           <a:bodyPr/>
           <a:lstStyle/>
           <a:p>
-            <a:fld id="{3CC73557-0FEA-427E-9700-7E5974543147}" type="slidenum">
+            <a:fld id="{68C31F04-F053-47CC-BE1A-22C79D980C4F}" type="slidenum">
               <a:rPr lang="zh-CN" altLang="en-US" smtClean="0"/>
               <a:t>‹#›</a:t>
             </a:fld>
@@ -317,7 +317,7 @@
     </p:spTree>
     <p:extLst>
       <p:ext uri="{BB962C8B-B14F-4D97-AF65-F5344CB8AC3E}">
-        <p14:creationId xmlns:p14="http://schemas.microsoft.com/office/powerpoint/2010/main" val="1936858825"/>
+        <p14:creationId xmlns:p14="http://schemas.microsoft.com/office/powerpoint/2010/main" val="1712919472"/>
       </p:ext>
     </p:extLst>
   </p:cSld>
@@ -349,7 +349,7 @@
           <p:cNvPr id="2" name="标题 1">
             <a:extLst>
               <a:ext uri="{FF2B5EF4-FFF2-40B4-BE49-F238E27FC236}">
-                <a16:creationId xmlns:a16="http://schemas.microsoft.com/office/drawing/2014/main" id="{5ABFC6EC-7211-FAA6-EE5B-2FEB87E18765}"/>
+                <a16:creationId xmlns:a16="http://schemas.microsoft.com/office/drawing/2014/main" id="{430C3ADB-981D-384E-44DC-CA748C875B7A}"/>
               </a:ext>
             </a:extLst>
           </p:cNvPr>
@@ -377,7 +377,7 @@
           <p:cNvPr id="3" name="竖排文字占位符 2">
             <a:extLst>
               <a:ext uri="{FF2B5EF4-FFF2-40B4-BE49-F238E27FC236}">
-                <a16:creationId xmlns:a16="http://schemas.microsoft.com/office/drawing/2014/main" id="{2D45DD42-F1BC-50FB-EFAE-95C76198945A}"/>
+                <a16:creationId xmlns:a16="http://schemas.microsoft.com/office/drawing/2014/main" id="{082A646D-7A14-F64B-E1E2-EA9C25F94E3E}"/>
               </a:ext>
             </a:extLst>
           </p:cNvPr>
@@ -434,7 +434,7 @@
           <p:cNvPr id="4" name="日期占位符 3">
             <a:extLst>
               <a:ext uri="{FF2B5EF4-FFF2-40B4-BE49-F238E27FC236}">
-                <a16:creationId xmlns:a16="http://schemas.microsoft.com/office/drawing/2014/main" id="{8F401D90-5CCA-C49C-CB66-54B6110C6E76}"/>
+                <a16:creationId xmlns:a16="http://schemas.microsoft.com/office/drawing/2014/main" id="{D31B572F-5258-8D60-32E3-1D539AEF428E}"/>
               </a:ext>
             </a:extLst>
           </p:cNvPr>
@@ -450,7 +450,7 @@
           <a:bodyPr/>
           <a:lstStyle/>
           <a:p>
-            <a:fld id="{500258B0-7BD2-49BC-B007-2896AF78E91B}" type="datetimeFigureOut">
+            <a:fld id="{4E6D7EE3-55C4-4A71-B371-7195F9A809BC}" type="datetimeFigureOut">
               <a:rPr lang="zh-CN" altLang="en-US" smtClean="0"/>
               <a:t>2024/3/10</a:t>
             </a:fld>
@@ -463,7 +463,7 @@
           <p:cNvPr id="5" name="页脚占位符 4">
             <a:extLst>
               <a:ext uri="{FF2B5EF4-FFF2-40B4-BE49-F238E27FC236}">
-                <a16:creationId xmlns:a16="http://schemas.microsoft.com/office/drawing/2014/main" id="{13D1A9AA-94DD-1BDC-494A-5AE753B5CE82}"/>
+                <a16:creationId xmlns:a16="http://schemas.microsoft.com/office/drawing/2014/main" id="{A9782B22-7E3F-5CF2-609A-4FD8F2BB259E}"/>
               </a:ext>
             </a:extLst>
           </p:cNvPr>
@@ -488,7 +488,7 @@
           <p:cNvPr id="6" name="灯片编号占位符 5">
             <a:extLst>
               <a:ext uri="{FF2B5EF4-FFF2-40B4-BE49-F238E27FC236}">
-                <a16:creationId xmlns:a16="http://schemas.microsoft.com/office/drawing/2014/main" id="{DFDFD64D-EBC0-B747-0FF1-869D99C571A4}"/>
+                <a16:creationId xmlns:a16="http://schemas.microsoft.com/office/drawing/2014/main" id="{B34C0754-9C21-7865-A023-945B3EC0DE34}"/>
               </a:ext>
             </a:extLst>
           </p:cNvPr>
@@ -504,7 +504,7 @@
           <a:bodyPr/>
           <a:lstStyle/>
           <a:p>
-            <a:fld id="{3CC73557-0FEA-427E-9700-7E5974543147}" type="slidenum">
+            <a:fld id="{68C31F04-F053-47CC-BE1A-22C79D980C4F}" type="slidenum">
               <a:rPr lang="zh-CN" altLang="en-US" smtClean="0"/>
               <a:t>‹#›</a:t>
             </a:fld>
@@ -515,7 +515,7 @@
     </p:spTree>
     <p:extLst>
       <p:ext uri="{BB962C8B-B14F-4D97-AF65-F5344CB8AC3E}">
-        <p14:creationId xmlns:p14="http://schemas.microsoft.com/office/powerpoint/2010/main" val="4004966965"/>
+        <p14:creationId xmlns:p14="http://schemas.microsoft.com/office/powerpoint/2010/main" val="3495153702"/>
       </p:ext>
     </p:extLst>
   </p:cSld>
@@ -547,7 +547,7 @@
           <p:cNvPr id="2" name="竖排标题 1">
             <a:extLst>
               <a:ext uri="{FF2B5EF4-FFF2-40B4-BE49-F238E27FC236}">
-                <a16:creationId xmlns:a16="http://schemas.microsoft.com/office/drawing/2014/main" id="{E8732D71-8ACE-1631-8246-2AB302737761}"/>
+                <a16:creationId xmlns:a16="http://schemas.microsoft.com/office/drawing/2014/main" id="{031DC3D8-6162-596B-2856-1E2A08686BCE}"/>
               </a:ext>
             </a:extLst>
           </p:cNvPr>
@@ -580,7 +580,7 @@
           <p:cNvPr id="3" name="竖排文字占位符 2">
             <a:extLst>
               <a:ext uri="{FF2B5EF4-FFF2-40B4-BE49-F238E27FC236}">
-                <a16:creationId xmlns:a16="http://schemas.microsoft.com/office/drawing/2014/main" id="{D9D20088-2622-CF74-A926-D12DEBEBC7B0}"/>
+                <a16:creationId xmlns:a16="http://schemas.microsoft.com/office/drawing/2014/main" id="{1D51C0E6-D932-ED6E-A110-D3A9EFB7E604}"/>
               </a:ext>
             </a:extLst>
           </p:cNvPr>
@@ -642,7 +642,7 @@
           <p:cNvPr id="4" name="日期占位符 3">
             <a:extLst>
               <a:ext uri="{FF2B5EF4-FFF2-40B4-BE49-F238E27FC236}">
-                <a16:creationId xmlns:a16="http://schemas.microsoft.com/office/drawing/2014/main" id="{0CC7BD13-F139-A908-6BA2-39493F865BBE}"/>
+                <a16:creationId xmlns:a16="http://schemas.microsoft.com/office/drawing/2014/main" id="{E8E523BD-F204-DA11-0631-D0AC198CAD6F}"/>
               </a:ext>
             </a:extLst>
           </p:cNvPr>
@@ -658,7 +658,7 @@
           <a:bodyPr/>
           <a:lstStyle/>
           <a:p>
-            <a:fld id="{500258B0-7BD2-49BC-B007-2896AF78E91B}" type="datetimeFigureOut">
+            <a:fld id="{4E6D7EE3-55C4-4A71-B371-7195F9A809BC}" type="datetimeFigureOut">
               <a:rPr lang="zh-CN" altLang="en-US" smtClean="0"/>
               <a:t>2024/3/10</a:t>
             </a:fld>
@@ -671,7 +671,7 @@
           <p:cNvPr id="5" name="页脚占位符 4">
             <a:extLst>
               <a:ext uri="{FF2B5EF4-FFF2-40B4-BE49-F238E27FC236}">
-                <a16:creationId xmlns:a16="http://schemas.microsoft.com/office/drawing/2014/main" id="{691F7B81-BD05-952B-FD58-727916F3FDDC}"/>
+                <a16:creationId xmlns:a16="http://schemas.microsoft.com/office/drawing/2014/main" id="{6E29E6F5-EE8A-C05E-04C7-C48CD3796A26}"/>
               </a:ext>
             </a:extLst>
           </p:cNvPr>
@@ -696,7 +696,7 @@
           <p:cNvPr id="6" name="灯片编号占位符 5">
             <a:extLst>
               <a:ext uri="{FF2B5EF4-FFF2-40B4-BE49-F238E27FC236}">
-                <a16:creationId xmlns:a16="http://schemas.microsoft.com/office/drawing/2014/main" id="{ABC9DB48-A7FB-A014-52F2-3EC2D26F3586}"/>
+                <a16:creationId xmlns:a16="http://schemas.microsoft.com/office/drawing/2014/main" id="{275331C4-83AC-9E44-1B10-80A12131B2B0}"/>
               </a:ext>
             </a:extLst>
           </p:cNvPr>
@@ -712,7 +712,7 @@
           <a:bodyPr/>
           <a:lstStyle/>
           <a:p>
-            <a:fld id="{3CC73557-0FEA-427E-9700-7E5974543147}" type="slidenum">
+            <a:fld id="{68C31F04-F053-47CC-BE1A-22C79D980C4F}" type="slidenum">
               <a:rPr lang="zh-CN" altLang="en-US" smtClean="0"/>
               <a:t>‹#›</a:t>
             </a:fld>
@@ -723,7 +723,7 @@
     </p:spTree>
     <p:extLst>
       <p:ext uri="{BB962C8B-B14F-4D97-AF65-F5344CB8AC3E}">
-        <p14:creationId xmlns:p14="http://schemas.microsoft.com/office/powerpoint/2010/main" val="658791600"/>
+        <p14:creationId xmlns:p14="http://schemas.microsoft.com/office/powerpoint/2010/main" val="3821161208"/>
       </p:ext>
     </p:extLst>
   </p:cSld>
@@ -755,7 +755,7 @@
           <p:cNvPr id="2" name="标题 1">
             <a:extLst>
               <a:ext uri="{FF2B5EF4-FFF2-40B4-BE49-F238E27FC236}">
-                <a16:creationId xmlns:a16="http://schemas.microsoft.com/office/drawing/2014/main" id="{B7978454-931F-38DB-4AF5-48B8393433A5}"/>
+                <a16:creationId xmlns:a16="http://schemas.microsoft.com/office/drawing/2014/main" id="{2DDE33EF-CEEB-1395-795E-36B8C7FE24FF}"/>
               </a:ext>
             </a:extLst>
           </p:cNvPr>
@@ -783,7 +783,7 @@
           <p:cNvPr id="3" name="内容占位符 2">
             <a:extLst>
               <a:ext uri="{FF2B5EF4-FFF2-40B4-BE49-F238E27FC236}">
-                <a16:creationId xmlns:a16="http://schemas.microsoft.com/office/drawing/2014/main" id="{43A4C559-F654-8FBC-3EEE-56F6B0472AE7}"/>
+                <a16:creationId xmlns:a16="http://schemas.microsoft.com/office/drawing/2014/main" id="{A6FF4E44-1419-742F-8F8C-90C6008DC50A}"/>
               </a:ext>
             </a:extLst>
           </p:cNvPr>
@@ -840,7 +840,7 @@
           <p:cNvPr id="4" name="日期占位符 3">
             <a:extLst>
               <a:ext uri="{FF2B5EF4-FFF2-40B4-BE49-F238E27FC236}">
-                <a16:creationId xmlns:a16="http://schemas.microsoft.com/office/drawing/2014/main" id="{9EBC5962-528D-EB7D-92A3-44BAC6179DD9}"/>
+                <a16:creationId xmlns:a16="http://schemas.microsoft.com/office/drawing/2014/main" id="{FE9CFE9C-9A9D-C32A-9920-8E20072D7290}"/>
               </a:ext>
             </a:extLst>
           </p:cNvPr>
@@ -856,7 +856,7 @@
           <a:bodyPr/>
           <a:lstStyle/>
           <a:p>
-            <a:fld id="{500258B0-7BD2-49BC-B007-2896AF78E91B}" type="datetimeFigureOut">
+            <a:fld id="{4E6D7EE3-55C4-4A71-B371-7195F9A809BC}" type="datetimeFigureOut">
               <a:rPr lang="zh-CN" altLang="en-US" smtClean="0"/>
               <a:t>2024/3/10</a:t>
             </a:fld>
@@ -869,7 +869,7 @@
           <p:cNvPr id="5" name="页脚占位符 4">
             <a:extLst>
               <a:ext uri="{FF2B5EF4-FFF2-40B4-BE49-F238E27FC236}">
-                <a16:creationId xmlns:a16="http://schemas.microsoft.com/office/drawing/2014/main" id="{D3AD0013-FA1B-7FD3-9B29-BB4A3F095157}"/>
+                <a16:creationId xmlns:a16="http://schemas.microsoft.com/office/drawing/2014/main" id="{94F0C748-4C88-12FA-CF69-B7EBB323167A}"/>
               </a:ext>
             </a:extLst>
           </p:cNvPr>
@@ -894,7 +894,7 @@
           <p:cNvPr id="6" name="灯片编号占位符 5">
             <a:extLst>
               <a:ext uri="{FF2B5EF4-FFF2-40B4-BE49-F238E27FC236}">
-                <a16:creationId xmlns:a16="http://schemas.microsoft.com/office/drawing/2014/main" id="{8FE58AB8-10E0-B5D8-4AD6-03711BC5247E}"/>
+                <a16:creationId xmlns:a16="http://schemas.microsoft.com/office/drawing/2014/main" id="{F1984070-4D29-C451-8630-B3FF3640226C}"/>
               </a:ext>
             </a:extLst>
           </p:cNvPr>
@@ -910,7 +910,7 @@
           <a:bodyPr/>
           <a:lstStyle/>
           <a:p>
-            <a:fld id="{3CC73557-0FEA-427E-9700-7E5974543147}" type="slidenum">
+            <a:fld id="{68C31F04-F053-47CC-BE1A-22C79D980C4F}" type="slidenum">
               <a:rPr lang="zh-CN" altLang="en-US" smtClean="0"/>
               <a:t>‹#›</a:t>
             </a:fld>
@@ -921,7 +921,7 @@
     </p:spTree>
     <p:extLst>
       <p:ext uri="{BB962C8B-B14F-4D97-AF65-F5344CB8AC3E}">
-        <p14:creationId xmlns:p14="http://schemas.microsoft.com/office/powerpoint/2010/main" val="2708225971"/>
+        <p14:creationId xmlns:p14="http://schemas.microsoft.com/office/powerpoint/2010/main" val="3398099475"/>
       </p:ext>
     </p:extLst>
   </p:cSld>
@@ -953,7 +953,7 @@
           <p:cNvPr id="2" name="标题 1">
             <a:extLst>
               <a:ext uri="{FF2B5EF4-FFF2-40B4-BE49-F238E27FC236}">
-                <a16:creationId xmlns:a16="http://schemas.microsoft.com/office/drawing/2014/main" id="{3E46F9E3-2102-C94C-58C6-9A7A651C94B4}"/>
+                <a16:creationId xmlns:a16="http://schemas.microsoft.com/office/drawing/2014/main" id="{0E3788F7-E9ED-A3FA-411F-0638EBFA9412}"/>
               </a:ext>
             </a:extLst>
           </p:cNvPr>
@@ -990,7 +990,7 @@
           <p:cNvPr id="3" name="文本占位符 2">
             <a:extLst>
               <a:ext uri="{FF2B5EF4-FFF2-40B4-BE49-F238E27FC236}">
-                <a16:creationId xmlns:a16="http://schemas.microsoft.com/office/drawing/2014/main" id="{BB6E8382-38C7-7B5A-964E-421CE3FC9AB7}"/>
+                <a16:creationId xmlns:a16="http://schemas.microsoft.com/office/drawing/2014/main" id="{3EB3ADED-8B7D-58B5-0A64-30782F3FDC09}"/>
               </a:ext>
             </a:extLst>
           </p:cNvPr>
@@ -1115,7 +1115,7 @@
           <p:cNvPr id="4" name="日期占位符 3">
             <a:extLst>
               <a:ext uri="{FF2B5EF4-FFF2-40B4-BE49-F238E27FC236}">
-                <a16:creationId xmlns:a16="http://schemas.microsoft.com/office/drawing/2014/main" id="{CA28BE33-492F-998C-EBEE-42AB0AF48DA9}"/>
+                <a16:creationId xmlns:a16="http://schemas.microsoft.com/office/drawing/2014/main" id="{CD2FBA6B-B8B5-819B-D2B3-55F25B774F09}"/>
               </a:ext>
             </a:extLst>
           </p:cNvPr>
@@ -1131,7 +1131,7 @@
           <a:bodyPr/>
           <a:lstStyle/>
           <a:p>
-            <a:fld id="{500258B0-7BD2-49BC-B007-2896AF78E91B}" type="datetimeFigureOut">
+            <a:fld id="{4E6D7EE3-55C4-4A71-B371-7195F9A809BC}" type="datetimeFigureOut">
               <a:rPr lang="zh-CN" altLang="en-US" smtClean="0"/>
               <a:t>2024/3/10</a:t>
             </a:fld>
@@ -1144,7 +1144,7 @@
           <p:cNvPr id="5" name="页脚占位符 4">
             <a:extLst>
               <a:ext uri="{FF2B5EF4-FFF2-40B4-BE49-F238E27FC236}">
-                <a16:creationId xmlns:a16="http://schemas.microsoft.com/office/drawing/2014/main" id="{DBCC562D-D8B2-0CFE-B64A-FE1CF08F5179}"/>
+                <a16:creationId xmlns:a16="http://schemas.microsoft.com/office/drawing/2014/main" id="{CE4AB4CD-62CB-B45C-412C-AEE94E71A523}"/>
               </a:ext>
             </a:extLst>
           </p:cNvPr>
@@ -1169,7 +1169,7 @@
           <p:cNvPr id="6" name="灯片编号占位符 5">
             <a:extLst>
               <a:ext uri="{FF2B5EF4-FFF2-40B4-BE49-F238E27FC236}">
-                <a16:creationId xmlns:a16="http://schemas.microsoft.com/office/drawing/2014/main" id="{10B2E81A-1FEF-0A7E-666E-2F312DCD2E94}"/>
+                <a16:creationId xmlns:a16="http://schemas.microsoft.com/office/drawing/2014/main" id="{31D19999-4FEC-9086-F39E-C0E8DB19AB2E}"/>
               </a:ext>
             </a:extLst>
           </p:cNvPr>
@@ -1185,7 +1185,7 @@
           <a:bodyPr/>
           <a:lstStyle/>
           <a:p>
-            <a:fld id="{3CC73557-0FEA-427E-9700-7E5974543147}" type="slidenum">
+            <a:fld id="{68C31F04-F053-47CC-BE1A-22C79D980C4F}" type="slidenum">
               <a:rPr lang="zh-CN" altLang="en-US" smtClean="0"/>
               <a:t>‹#›</a:t>
             </a:fld>
@@ -1196,7 +1196,7 @@
     </p:spTree>
     <p:extLst>
       <p:ext uri="{BB962C8B-B14F-4D97-AF65-F5344CB8AC3E}">
-        <p14:creationId xmlns:p14="http://schemas.microsoft.com/office/powerpoint/2010/main" val="4260706575"/>
+        <p14:creationId xmlns:p14="http://schemas.microsoft.com/office/powerpoint/2010/main" val="1524710174"/>
       </p:ext>
     </p:extLst>
   </p:cSld>
@@ -1228,7 +1228,7 @@
           <p:cNvPr id="2" name="标题 1">
             <a:extLst>
               <a:ext uri="{FF2B5EF4-FFF2-40B4-BE49-F238E27FC236}">
-                <a16:creationId xmlns:a16="http://schemas.microsoft.com/office/drawing/2014/main" id="{EE9A2134-834D-2BD4-A2CC-685CF6D578B3}"/>
+                <a16:creationId xmlns:a16="http://schemas.microsoft.com/office/drawing/2014/main" id="{4834ED5A-3DE0-3925-A7A6-E243DE049ADB}"/>
               </a:ext>
             </a:extLst>
           </p:cNvPr>
@@ -1256,7 +1256,7 @@
           <p:cNvPr id="3" name="内容占位符 2">
             <a:extLst>
               <a:ext uri="{FF2B5EF4-FFF2-40B4-BE49-F238E27FC236}">
-                <a16:creationId xmlns:a16="http://schemas.microsoft.com/office/drawing/2014/main" id="{7F14D5EA-00C3-BF69-36D2-F7EC4D0ECE53}"/>
+                <a16:creationId xmlns:a16="http://schemas.microsoft.com/office/drawing/2014/main" id="{31283C18-39B4-AEDB-F42B-CE17F5C31585}"/>
               </a:ext>
             </a:extLst>
           </p:cNvPr>
@@ -1318,7 +1318,7 @@
           <p:cNvPr id="4" name="内容占位符 3">
             <a:extLst>
               <a:ext uri="{FF2B5EF4-FFF2-40B4-BE49-F238E27FC236}">
-                <a16:creationId xmlns:a16="http://schemas.microsoft.com/office/drawing/2014/main" id="{727A1988-FEDF-6A94-A79E-A3D0137AE219}"/>
+                <a16:creationId xmlns:a16="http://schemas.microsoft.com/office/drawing/2014/main" id="{B0B3A423-6C35-A3B0-70E7-774989FE9705}"/>
               </a:ext>
             </a:extLst>
           </p:cNvPr>
@@ -1380,7 +1380,7 @@
           <p:cNvPr id="5" name="日期占位符 4">
             <a:extLst>
               <a:ext uri="{FF2B5EF4-FFF2-40B4-BE49-F238E27FC236}">
-                <a16:creationId xmlns:a16="http://schemas.microsoft.com/office/drawing/2014/main" id="{6729768F-BDCB-4B17-DC3B-05BA2D62A212}"/>
+                <a16:creationId xmlns:a16="http://schemas.microsoft.com/office/drawing/2014/main" id="{47FE9AEB-BC65-88EC-D4B4-DC8D744FC853}"/>
               </a:ext>
             </a:extLst>
           </p:cNvPr>
@@ -1396,7 +1396,7 @@
           <a:bodyPr/>
           <a:lstStyle/>
           <a:p>
-            <a:fld id="{500258B0-7BD2-49BC-B007-2896AF78E91B}" type="datetimeFigureOut">
+            <a:fld id="{4E6D7EE3-55C4-4A71-B371-7195F9A809BC}" type="datetimeFigureOut">
               <a:rPr lang="zh-CN" altLang="en-US" smtClean="0"/>
               <a:t>2024/3/10</a:t>
             </a:fld>
@@ -1409,7 +1409,7 @@
           <p:cNvPr id="6" name="页脚占位符 5">
             <a:extLst>
               <a:ext uri="{FF2B5EF4-FFF2-40B4-BE49-F238E27FC236}">
-                <a16:creationId xmlns:a16="http://schemas.microsoft.com/office/drawing/2014/main" id="{BC7F9A54-3A6D-5DF4-C1AF-370DB2FCABBC}"/>
+                <a16:creationId xmlns:a16="http://schemas.microsoft.com/office/drawing/2014/main" id="{166EA0EE-3025-83C6-D557-50DE23F1AA98}"/>
               </a:ext>
             </a:extLst>
           </p:cNvPr>
@@ -1434,7 +1434,7 @@
           <p:cNvPr id="7" name="灯片编号占位符 6">
             <a:extLst>
               <a:ext uri="{FF2B5EF4-FFF2-40B4-BE49-F238E27FC236}">
-                <a16:creationId xmlns:a16="http://schemas.microsoft.com/office/drawing/2014/main" id="{9E3C3587-6098-00F4-5282-A92428C01C0F}"/>
+                <a16:creationId xmlns:a16="http://schemas.microsoft.com/office/drawing/2014/main" id="{90982461-6E39-8348-E160-227C8E5E2243}"/>
               </a:ext>
             </a:extLst>
           </p:cNvPr>
@@ -1450,7 +1450,7 @@
           <a:bodyPr/>
           <a:lstStyle/>
           <a:p>
-            <a:fld id="{3CC73557-0FEA-427E-9700-7E5974543147}" type="slidenum">
+            <a:fld id="{68C31F04-F053-47CC-BE1A-22C79D980C4F}" type="slidenum">
               <a:rPr lang="zh-CN" altLang="en-US" smtClean="0"/>
               <a:t>‹#›</a:t>
             </a:fld>
@@ -1461,7 +1461,7 @@
     </p:spTree>
     <p:extLst>
       <p:ext uri="{BB962C8B-B14F-4D97-AF65-F5344CB8AC3E}">
-        <p14:creationId xmlns:p14="http://schemas.microsoft.com/office/powerpoint/2010/main" val="1271600587"/>
+        <p14:creationId xmlns:p14="http://schemas.microsoft.com/office/powerpoint/2010/main" val="1777266308"/>
       </p:ext>
     </p:extLst>
   </p:cSld>
@@ -1493,7 +1493,7 @@
           <p:cNvPr id="2" name="标题 1">
             <a:extLst>
               <a:ext uri="{FF2B5EF4-FFF2-40B4-BE49-F238E27FC236}">
-                <a16:creationId xmlns:a16="http://schemas.microsoft.com/office/drawing/2014/main" id="{19B673E5-F5FF-42D1-3804-E1276D0BC304}"/>
+                <a16:creationId xmlns:a16="http://schemas.microsoft.com/office/drawing/2014/main" id="{8A893EDB-9BAA-A5ED-0BD0-15B919CE9715}"/>
               </a:ext>
             </a:extLst>
           </p:cNvPr>
@@ -1526,7 +1526,7 @@
           <p:cNvPr id="3" name="文本占位符 2">
             <a:extLst>
               <a:ext uri="{FF2B5EF4-FFF2-40B4-BE49-F238E27FC236}">
-                <a16:creationId xmlns:a16="http://schemas.microsoft.com/office/drawing/2014/main" id="{5D5EF7AF-0FCF-2586-2BA0-2F7D82B82651}"/>
+                <a16:creationId xmlns:a16="http://schemas.microsoft.com/office/drawing/2014/main" id="{8A632C93-DD80-580F-B8FB-EC68E3414D95}"/>
               </a:ext>
             </a:extLst>
           </p:cNvPr>
@@ -1597,7 +1597,7 @@
           <p:cNvPr id="4" name="内容占位符 3">
             <a:extLst>
               <a:ext uri="{FF2B5EF4-FFF2-40B4-BE49-F238E27FC236}">
-                <a16:creationId xmlns:a16="http://schemas.microsoft.com/office/drawing/2014/main" id="{61CF508D-0BFA-8541-0090-6236A86926E3}"/>
+                <a16:creationId xmlns:a16="http://schemas.microsoft.com/office/drawing/2014/main" id="{F24DB8F5-317F-9D3C-4A05-EE14DCF516F0}"/>
               </a:ext>
             </a:extLst>
           </p:cNvPr>
@@ -1659,7 +1659,7 @@
           <p:cNvPr id="5" name="文本占位符 4">
             <a:extLst>
               <a:ext uri="{FF2B5EF4-FFF2-40B4-BE49-F238E27FC236}">
-                <a16:creationId xmlns:a16="http://schemas.microsoft.com/office/drawing/2014/main" id="{4696A6E1-64B9-028C-0B71-A6C5314A3613}"/>
+                <a16:creationId xmlns:a16="http://schemas.microsoft.com/office/drawing/2014/main" id="{ABD24180-C9EE-1A14-4510-51ED337DFEBA}"/>
               </a:ext>
             </a:extLst>
           </p:cNvPr>
@@ -1730,7 +1730,7 @@
           <p:cNvPr id="6" name="内容占位符 5">
             <a:extLst>
               <a:ext uri="{FF2B5EF4-FFF2-40B4-BE49-F238E27FC236}">
-                <a16:creationId xmlns:a16="http://schemas.microsoft.com/office/drawing/2014/main" id="{BC6B33E6-4A65-5B9B-7049-7C5419668886}"/>
+                <a16:creationId xmlns:a16="http://schemas.microsoft.com/office/drawing/2014/main" id="{12B6F661-2D16-BB26-1179-AE1EBD54D5EA}"/>
               </a:ext>
             </a:extLst>
           </p:cNvPr>
@@ -1792,7 +1792,7 @@
           <p:cNvPr id="7" name="日期占位符 6">
             <a:extLst>
               <a:ext uri="{FF2B5EF4-FFF2-40B4-BE49-F238E27FC236}">
-                <a16:creationId xmlns:a16="http://schemas.microsoft.com/office/drawing/2014/main" id="{C2DCFCF2-FA6A-5B08-6AF2-BFFE520F5ECF}"/>
+                <a16:creationId xmlns:a16="http://schemas.microsoft.com/office/drawing/2014/main" id="{17012569-A988-3EFA-E993-769E8B17596B}"/>
               </a:ext>
             </a:extLst>
           </p:cNvPr>
@@ -1808,7 +1808,7 @@
           <a:bodyPr/>
           <a:lstStyle/>
           <a:p>
-            <a:fld id="{500258B0-7BD2-49BC-B007-2896AF78E91B}" type="datetimeFigureOut">
+            <a:fld id="{4E6D7EE3-55C4-4A71-B371-7195F9A809BC}" type="datetimeFigureOut">
               <a:rPr lang="zh-CN" altLang="en-US" smtClean="0"/>
               <a:t>2024/3/10</a:t>
             </a:fld>
@@ -1821,7 +1821,7 @@
           <p:cNvPr id="8" name="页脚占位符 7">
             <a:extLst>
               <a:ext uri="{FF2B5EF4-FFF2-40B4-BE49-F238E27FC236}">
-                <a16:creationId xmlns:a16="http://schemas.microsoft.com/office/drawing/2014/main" id="{1E29BEA4-4416-F0F7-4D56-69BDA1CC7F80}"/>
+                <a16:creationId xmlns:a16="http://schemas.microsoft.com/office/drawing/2014/main" id="{839E1CEB-DB6E-08D1-D3D5-4C44832A40AD}"/>
               </a:ext>
             </a:extLst>
           </p:cNvPr>
@@ -1846,7 +1846,7 @@
           <p:cNvPr id="9" name="灯片编号占位符 8">
             <a:extLst>
               <a:ext uri="{FF2B5EF4-FFF2-40B4-BE49-F238E27FC236}">
-                <a16:creationId xmlns:a16="http://schemas.microsoft.com/office/drawing/2014/main" id="{1A71ED05-7694-9F70-BDC9-DF31591F3E1F}"/>
+                <a16:creationId xmlns:a16="http://schemas.microsoft.com/office/drawing/2014/main" id="{B8D70179-EFE9-7E06-8235-8C33AB1E2B2D}"/>
               </a:ext>
             </a:extLst>
           </p:cNvPr>
@@ -1862,7 +1862,7 @@
           <a:bodyPr/>
           <a:lstStyle/>
           <a:p>
-            <a:fld id="{3CC73557-0FEA-427E-9700-7E5974543147}" type="slidenum">
+            <a:fld id="{68C31F04-F053-47CC-BE1A-22C79D980C4F}" type="slidenum">
               <a:rPr lang="zh-CN" altLang="en-US" smtClean="0"/>
               <a:t>‹#›</a:t>
             </a:fld>
@@ -1873,7 +1873,7 @@
     </p:spTree>
     <p:extLst>
       <p:ext uri="{BB962C8B-B14F-4D97-AF65-F5344CB8AC3E}">
-        <p14:creationId xmlns:p14="http://schemas.microsoft.com/office/powerpoint/2010/main" val="2412055700"/>
+        <p14:creationId xmlns:p14="http://schemas.microsoft.com/office/powerpoint/2010/main" val="2819166924"/>
       </p:ext>
     </p:extLst>
   </p:cSld>
@@ -1905,7 +1905,7 @@
           <p:cNvPr id="2" name="标题 1">
             <a:extLst>
               <a:ext uri="{FF2B5EF4-FFF2-40B4-BE49-F238E27FC236}">
-                <a16:creationId xmlns:a16="http://schemas.microsoft.com/office/drawing/2014/main" id="{5E8A5F31-A432-D2B3-D188-73706DD94463}"/>
+                <a16:creationId xmlns:a16="http://schemas.microsoft.com/office/drawing/2014/main" id="{8D5106FA-B32E-1F7C-63F5-DB6409DB9A48}"/>
               </a:ext>
             </a:extLst>
           </p:cNvPr>
@@ -1933,7 +1933,7 @@
           <p:cNvPr id="3" name="日期占位符 2">
             <a:extLst>
               <a:ext uri="{FF2B5EF4-FFF2-40B4-BE49-F238E27FC236}">
-                <a16:creationId xmlns:a16="http://schemas.microsoft.com/office/drawing/2014/main" id="{1B2CF26C-9AC5-75EA-4D52-672AE3FE7F0D}"/>
+                <a16:creationId xmlns:a16="http://schemas.microsoft.com/office/drawing/2014/main" id="{A0221350-17AA-4E16-1B13-3C0E1747FCCB}"/>
               </a:ext>
             </a:extLst>
           </p:cNvPr>
@@ -1949,7 +1949,7 @@
           <a:bodyPr/>
           <a:lstStyle/>
           <a:p>
-            <a:fld id="{500258B0-7BD2-49BC-B007-2896AF78E91B}" type="datetimeFigureOut">
+            <a:fld id="{4E6D7EE3-55C4-4A71-B371-7195F9A809BC}" type="datetimeFigureOut">
               <a:rPr lang="zh-CN" altLang="en-US" smtClean="0"/>
               <a:t>2024/3/10</a:t>
             </a:fld>
@@ -1962,7 +1962,7 @@
           <p:cNvPr id="4" name="页脚占位符 3">
             <a:extLst>
               <a:ext uri="{FF2B5EF4-FFF2-40B4-BE49-F238E27FC236}">
-                <a16:creationId xmlns:a16="http://schemas.microsoft.com/office/drawing/2014/main" id="{47DE68B2-3667-6DDE-DA38-C7BA6EEDCB65}"/>
+                <a16:creationId xmlns:a16="http://schemas.microsoft.com/office/drawing/2014/main" id="{63AFB175-881D-0307-D04E-1CCBF4F5F9ED}"/>
               </a:ext>
             </a:extLst>
           </p:cNvPr>
@@ -1987,7 +1987,7 @@
           <p:cNvPr id="5" name="灯片编号占位符 4">
             <a:extLst>
               <a:ext uri="{FF2B5EF4-FFF2-40B4-BE49-F238E27FC236}">
-                <a16:creationId xmlns:a16="http://schemas.microsoft.com/office/drawing/2014/main" id="{3A7DF2A4-822E-F9A4-5C2D-4006FECFD94E}"/>
+                <a16:creationId xmlns:a16="http://schemas.microsoft.com/office/drawing/2014/main" id="{B399ABE5-8759-64F0-9EBC-4F851309FAF2}"/>
               </a:ext>
             </a:extLst>
           </p:cNvPr>
@@ -2003,7 +2003,7 @@
           <a:bodyPr/>
           <a:lstStyle/>
           <a:p>
-            <a:fld id="{3CC73557-0FEA-427E-9700-7E5974543147}" type="slidenum">
+            <a:fld id="{68C31F04-F053-47CC-BE1A-22C79D980C4F}" type="slidenum">
               <a:rPr lang="zh-CN" altLang="en-US" smtClean="0"/>
               <a:t>‹#›</a:t>
             </a:fld>
@@ -2014,7 +2014,7 @@
     </p:spTree>
     <p:extLst>
       <p:ext uri="{BB962C8B-B14F-4D97-AF65-F5344CB8AC3E}">
-        <p14:creationId xmlns:p14="http://schemas.microsoft.com/office/powerpoint/2010/main" val="4032799930"/>
+        <p14:creationId xmlns:p14="http://schemas.microsoft.com/office/powerpoint/2010/main" val="1503021829"/>
       </p:ext>
     </p:extLst>
   </p:cSld>
@@ -2046,7 +2046,7 @@
           <p:cNvPr id="2" name="日期占位符 1">
             <a:extLst>
               <a:ext uri="{FF2B5EF4-FFF2-40B4-BE49-F238E27FC236}">
-                <a16:creationId xmlns:a16="http://schemas.microsoft.com/office/drawing/2014/main" id="{1AB2744A-A606-17C5-590B-91A8817E65C4}"/>
+                <a16:creationId xmlns:a16="http://schemas.microsoft.com/office/drawing/2014/main" id="{3DE9EF45-45D1-4CA9-2BBA-0AF65980DA44}"/>
               </a:ext>
             </a:extLst>
           </p:cNvPr>
@@ -2062,7 +2062,7 @@
           <a:bodyPr/>
           <a:lstStyle/>
           <a:p>
-            <a:fld id="{500258B0-7BD2-49BC-B007-2896AF78E91B}" type="datetimeFigureOut">
+            <a:fld id="{4E6D7EE3-55C4-4A71-B371-7195F9A809BC}" type="datetimeFigureOut">
               <a:rPr lang="zh-CN" altLang="en-US" smtClean="0"/>
               <a:t>2024/3/10</a:t>
             </a:fld>
@@ -2075,7 +2075,7 @@
           <p:cNvPr id="3" name="页脚占位符 2">
             <a:extLst>
               <a:ext uri="{FF2B5EF4-FFF2-40B4-BE49-F238E27FC236}">
-                <a16:creationId xmlns:a16="http://schemas.microsoft.com/office/drawing/2014/main" id="{D5864057-4382-04ED-1B8C-F93E5CC2C43D}"/>
+                <a16:creationId xmlns:a16="http://schemas.microsoft.com/office/drawing/2014/main" id="{AA195CDE-023E-9C9E-40FB-7AFA819BA2BF}"/>
               </a:ext>
             </a:extLst>
           </p:cNvPr>
@@ -2100,7 +2100,7 @@
           <p:cNvPr id="4" name="灯片编号占位符 3">
             <a:extLst>
               <a:ext uri="{FF2B5EF4-FFF2-40B4-BE49-F238E27FC236}">
-                <a16:creationId xmlns:a16="http://schemas.microsoft.com/office/drawing/2014/main" id="{3BD42AFC-5436-EF6F-C4C3-895042E4925E}"/>
+                <a16:creationId xmlns:a16="http://schemas.microsoft.com/office/drawing/2014/main" id="{C7B653C0-08BC-E321-38E5-33C22323CF3D}"/>
               </a:ext>
             </a:extLst>
           </p:cNvPr>
@@ -2116,7 +2116,7 @@
           <a:bodyPr/>
           <a:lstStyle/>
           <a:p>
-            <a:fld id="{3CC73557-0FEA-427E-9700-7E5974543147}" type="slidenum">
+            <a:fld id="{68C31F04-F053-47CC-BE1A-22C79D980C4F}" type="slidenum">
               <a:rPr lang="zh-CN" altLang="en-US" smtClean="0"/>
               <a:t>‹#›</a:t>
             </a:fld>
@@ -2127,7 +2127,7 @@
     </p:spTree>
     <p:extLst>
       <p:ext uri="{BB962C8B-B14F-4D97-AF65-F5344CB8AC3E}">
-        <p14:creationId xmlns:p14="http://schemas.microsoft.com/office/powerpoint/2010/main" val="3656317512"/>
+        <p14:creationId xmlns:p14="http://schemas.microsoft.com/office/powerpoint/2010/main" val="810573841"/>
       </p:ext>
     </p:extLst>
   </p:cSld>
@@ -2159,7 +2159,7 @@
           <p:cNvPr id="2" name="标题 1">
             <a:extLst>
               <a:ext uri="{FF2B5EF4-FFF2-40B4-BE49-F238E27FC236}">
-                <a16:creationId xmlns:a16="http://schemas.microsoft.com/office/drawing/2014/main" id="{7E475453-4E57-CF21-F334-DE2196AB5D5F}"/>
+                <a16:creationId xmlns:a16="http://schemas.microsoft.com/office/drawing/2014/main" id="{7182B8CF-A2DF-1D82-706B-FF64101D36AC}"/>
               </a:ext>
             </a:extLst>
           </p:cNvPr>
@@ -2196,7 +2196,7 @@
           <p:cNvPr id="3" name="内容占位符 2">
             <a:extLst>
               <a:ext uri="{FF2B5EF4-FFF2-40B4-BE49-F238E27FC236}">
-                <a16:creationId xmlns:a16="http://schemas.microsoft.com/office/drawing/2014/main" id="{A1D1DCA4-E150-E75B-6F8F-05A392BC51FC}"/>
+                <a16:creationId xmlns:a16="http://schemas.microsoft.com/office/drawing/2014/main" id="{82CBAD0F-4F6C-A25A-DD51-34DE94B31FDF}"/>
               </a:ext>
             </a:extLst>
           </p:cNvPr>
@@ -2286,7 +2286,7 @@
           <p:cNvPr id="4" name="文本占位符 3">
             <a:extLst>
               <a:ext uri="{FF2B5EF4-FFF2-40B4-BE49-F238E27FC236}">
-                <a16:creationId xmlns:a16="http://schemas.microsoft.com/office/drawing/2014/main" id="{23AB7B27-582F-9336-752F-EADD31F04550}"/>
+                <a16:creationId xmlns:a16="http://schemas.microsoft.com/office/drawing/2014/main" id="{2ECA8FDB-61BF-8BAA-7E8C-61A219C7E3D3}"/>
               </a:ext>
             </a:extLst>
           </p:cNvPr>
@@ -2357,7 +2357,7 @@
           <p:cNvPr id="5" name="日期占位符 4">
             <a:extLst>
               <a:ext uri="{FF2B5EF4-FFF2-40B4-BE49-F238E27FC236}">
-                <a16:creationId xmlns:a16="http://schemas.microsoft.com/office/drawing/2014/main" id="{CC86C63D-1710-0FC7-B578-7B75BE67C59A}"/>
+                <a16:creationId xmlns:a16="http://schemas.microsoft.com/office/drawing/2014/main" id="{A5D94C5C-9375-6AFE-B0EA-064CBA13AA50}"/>
               </a:ext>
             </a:extLst>
           </p:cNvPr>
@@ -2373,7 +2373,7 @@
           <a:bodyPr/>
           <a:lstStyle/>
           <a:p>
-            <a:fld id="{500258B0-7BD2-49BC-B007-2896AF78E91B}" type="datetimeFigureOut">
+            <a:fld id="{4E6D7EE3-55C4-4A71-B371-7195F9A809BC}" type="datetimeFigureOut">
               <a:rPr lang="zh-CN" altLang="en-US" smtClean="0"/>
               <a:t>2024/3/10</a:t>
             </a:fld>
@@ -2386,7 +2386,7 @@
           <p:cNvPr id="6" name="页脚占位符 5">
             <a:extLst>
               <a:ext uri="{FF2B5EF4-FFF2-40B4-BE49-F238E27FC236}">
-                <a16:creationId xmlns:a16="http://schemas.microsoft.com/office/drawing/2014/main" id="{57E07365-9D47-5D27-5820-A4D4DBA9F73D}"/>
+                <a16:creationId xmlns:a16="http://schemas.microsoft.com/office/drawing/2014/main" id="{E3AADEA0-0F6A-08EB-5CF1-9C2104F7A84D}"/>
               </a:ext>
             </a:extLst>
           </p:cNvPr>
@@ -2411,7 +2411,7 @@
           <p:cNvPr id="7" name="灯片编号占位符 6">
             <a:extLst>
               <a:ext uri="{FF2B5EF4-FFF2-40B4-BE49-F238E27FC236}">
-                <a16:creationId xmlns:a16="http://schemas.microsoft.com/office/drawing/2014/main" id="{B45F2FEA-FF3A-D156-7D3D-8203B83E8B13}"/>
+                <a16:creationId xmlns:a16="http://schemas.microsoft.com/office/drawing/2014/main" id="{77317D15-AF34-8EA5-BADD-349487E58974}"/>
               </a:ext>
             </a:extLst>
           </p:cNvPr>
@@ -2427,7 +2427,7 @@
           <a:bodyPr/>
           <a:lstStyle/>
           <a:p>
-            <a:fld id="{3CC73557-0FEA-427E-9700-7E5974543147}" type="slidenum">
+            <a:fld id="{68C31F04-F053-47CC-BE1A-22C79D980C4F}" type="slidenum">
               <a:rPr lang="zh-CN" altLang="en-US" smtClean="0"/>
               <a:t>‹#›</a:t>
             </a:fld>
@@ -2438,7 +2438,7 @@
     </p:spTree>
     <p:extLst>
       <p:ext uri="{BB962C8B-B14F-4D97-AF65-F5344CB8AC3E}">
-        <p14:creationId xmlns:p14="http://schemas.microsoft.com/office/powerpoint/2010/main" val="903299280"/>
+        <p14:creationId xmlns:p14="http://schemas.microsoft.com/office/powerpoint/2010/main" val="1504622765"/>
       </p:ext>
     </p:extLst>
   </p:cSld>
@@ -2470,7 +2470,7 @@
           <p:cNvPr id="2" name="标题 1">
             <a:extLst>
               <a:ext uri="{FF2B5EF4-FFF2-40B4-BE49-F238E27FC236}">
-                <a16:creationId xmlns:a16="http://schemas.microsoft.com/office/drawing/2014/main" id="{4CD1E904-BA3D-9277-2533-993AAD4D3A2B}"/>
+                <a16:creationId xmlns:a16="http://schemas.microsoft.com/office/drawing/2014/main" id="{0816C8F1-16CE-1400-43D3-F2FB1BE94B7C}"/>
               </a:ext>
             </a:extLst>
           </p:cNvPr>
@@ -2507,7 +2507,7 @@
           <p:cNvPr id="3" name="图片占位符 2">
             <a:extLst>
               <a:ext uri="{FF2B5EF4-FFF2-40B4-BE49-F238E27FC236}">
-                <a16:creationId xmlns:a16="http://schemas.microsoft.com/office/drawing/2014/main" id="{AD1D61BD-EC0D-75EF-B83A-B78AEDAE9737}"/>
+                <a16:creationId xmlns:a16="http://schemas.microsoft.com/office/drawing/2014/main" id="{022B534B-BF9A-C46C-E866-E7B5AC26F6D7}"/>
               </a:ext>
             </a:extLst>
           </p:cNvPr>
@@ -2574,7 +2574,7 @@
           <p:cNvPr id="4" name="文本占位符 3">
             <a:extLst>
               <a:ext uri="{FF2B5EF4-FFF2-40B4-BE49-F238E27FC236}">
-                <a16:creationId xmlns:a16="http://schemas.microsoft.com/office/drawing/2014/main" id="{990E5991-6AE2-E1A8-382D-4A2DE158794A}"/>
+                <a16:creationId xmlns:a16="http://schemas.microsoft.com/office/drawing/2014/main" id="{4E84CF6D-8647-A5EF-B280-4DDC167B014E}"/>
               </a:ext>
             </a:extLst>
           </p:cNvPr>
@@ -2645,7 +2645,7 @@
           <p:cNvPr id="5" name="日期占位符 4">
             <a:extLst>
               <a:ext uri="{FF2B5EF4-FFF2-40B4-BE49-F238E27FC236}">
-                <a16:creationId xmlns:a16="http://schemas.microsoft.com/office/drawing/2014/main" id="{8F31429F-EBAF-89ED-29EC-4AFA44A70994}"/>
+                <a16:creationId xmlns:a16="http://schemas.microsoft.com/office/drawing/2014/main" id="{F5C373A5-A415-7751-D71E-B15CAA10BE0A}"/>
               </a:ext>
             </a:extLst>
           </p:cNvPr>
@@ -2661,7 +2661,7 @@
           <a:bodyPr/>
           <a:lstStyle/>
           <a:p>
-            <a:fld id="{500258B0-7BD2-49BC-B007-2896AF78E91B}" type="datetimeFigureOut">
+            <a:fld id="{4E6D7EE3-55C4-4A71-B371-7195F9A809BC}" type="datetimeFigureOut">
               <a:rPr lang="zh-CN" altLang="en-US" smtClean="0"/>
               <a:t>2024/3/10</a:t>
             </a:fld>
@@ -2674,7 +2674,7 @@
           <p:cNvPr id="6" name="页脚占位符 5">
             <a:extLst>
               <a:ext uri="{FF2B5EF4-FFF2-40B4-BE49-F238E27FC236}">
-                <a16:creationId xmlns:a16="http://schemas.microsoft.com/office/drawing/2014/main" id="{1E6BA254-1952-36D1-3CC6-48F9C7F61F18}"/>
+                <a16:creationId xmlns:a16="http://schemas.microsoft.com/office/drawing/2014/main" id="{6E0B9A64-31D9-7E5E-90AC-B59A6F809604}"/>
               </a:ext>
             </a:extLst>
           </p:cNvPr>
@@ -2699,7 +2699,7 @@
           <p:cNvPr id="7" name="灯片编号占位符 6">
             <a:extLst>
               <a:ext uri="{FF2B5EF4-FFF2-40B4-BE49-F238E27FC236}">
-                <a16:creationId xmlns:a16="http://schemas.microsoft.com/office/drawing/2014/main" id="{A072333F-9F5F-652A-ADE0-7E7D56F9B98C}"/>
+                <a16:creationId xmlns:a16="http://schemas.microsoft.com/office/drawing/2014/main" id="{5F1ABEE1-8445-3D3B-4DAE-1AAA7754A020}"/>
               </a:ext>
             </a:extLst>
           </p:cNvPr>
@@ -2715,7 +2715,7 @@
           <a:bodyPr/>
           <a:lstStyle/>
           <a:p>
-            <a:fld id="{3CC73557-0FEA-427E-9700-7E5974543147}" type="slidenum">
+            <a:fld id="{68C31F04-F053-47CC-BE1A-22C79D980C4F}" type="slidenum">
               <a:rPr lang="zh-CN" altLang="en-US" smtClean="0"/>
               <a:t>‹#›</a:t>
             </a:fld>
@@ -2726,7 +2726,7 @@
     </p:spTree>
     <p:extLst>
       <p:ext uri="{BB962C8B-B14F-4D97-AF65-F5344CB8AC3E}">
-        <p14:creationId xmlns:p14="http://schemas.microsoft.com/office/powerpoint/2010/main" val="1873638114"/>
+        <p14:creationId xmlns:p14="http://schemas.microsoft.com/office/powerpoint/2010/main" val="2019345935"/>
       </p:ext>
     </p:extLst>
   </p:cSld>
@@ -2763,7 +2763,7 @@
           <p:cNvPr id="2" name="标题占位符 1">
             <a:extLst>
               <a:ext uri="{FF2B5EF4-FFF2-40B4-BE49-F238E27FC236}">
-                <a16:creationId xmlns:a16="http://schemas.microsoft.com/office/drawing/2014/main" id="{73AC11FE-9A3B-A0EE-82B9-D91B6FB0AED9}"/>
+                <a16:creationId xmlns:a16="http://schemas.microsoft.com/office/drawing/2014/main" id="{EDBE8A03-5F96-34B3-6E62-940F744047CC}"/>
               </a:ext>
             </a:extLst>
           </p:cNvPr>
@@ -2801,7 +2801,7 @@
           <p:cNvPr id="3" name="文本占位符 2">
             <a:extLst>
               <a:ext uri="{FF2B5EF4-FFF2-40B4-BE49-F238E27FC236}">
-                <a16:creationId xmlns:a16="http://schemas.microsoft.com/office/drawing/2014/main" id="{EE2F6AC5-7EAF-5285-08F5-D4A13AC1D334}"/>
+                <a16:creationId xmlns:a16="http://schemas.microsoft.com/office/drawing/2014/main" id="{0E0BAA08-83B3-7C2A-517E-05C79F743D76}"/>
               </a:ext>
             </a:extLst>
           </p:cNvPr>
@@ -2868,7 +2868,7 @@
           <p:cNvPr id="4" name="日期占位符 3">
             <a:extLst>
               <a:ext uri="{FF2B5EF4-FFF2-40B4-BE49-F238E27FC236}">
-                <a16:creationId xmlns:a16="http://schemas.microsoft.com/office/drawing/2014/main" id="{CC7C9BD8-6ACF-310E-9A64-B22A01F07D3D}"/>
+                <a16:creationId xmlns:a16="http://schemas.microsoft.com/office/drawing/2014/main" id="{E494E8E1-24FC-9A42-81F8-F898D2840733}"/>
               </a:ext>
             </a:extLst>
           </p:cNvPr>
@@ -2902,7 +2902,7 @@
             </a:lvl1pPr>
           </a:lstStyle>
           <a:p>
-            <a:fld id="{500258B0-7BD2-49BC-B007-2896AF78E91B}" type="datetimeFigureOut">
+            <a:fld id="{4E6D7EE3-55C4-4A71-B371-7195F9A809BC}" type="datetimeFigureOut">
               <a:rPr lang="zh-CN" altLang="en-US" smtClean="0"/>
               <a:t>2024/3/10</a:t>
             </a:fld>
@@ -2915,7 +2915,7 @@
           <p:cNvPr id="5" name="页脚占位符 4">
             <a:extLst>
               <a:ext uri="{FF2B5EF4-FFF2-40B4-BE49-F238E27FC236}">
-                <a16:creationId xmlns:a16="http://schemas.microsoft.com/office/drawing/2014/main" id="{AD0CA995-6F47-78FA-8F5D-7CE07F9E31A0}"/>
+                <a16:creationId xmlns:a16="http://schemas.microsoft.com/office/drawing/2014/main" id="{D6D7904B-8E49-20ED-E560-9369520B2D4A}"/>
               </a:ext>
             </a:extLst>
           </p:cNvPr>
@@ -2958,7 +2958,7 @@
           <p:cNvPr id="6" name="灯片编号占位符 5">
             <a:extLst>
               <a:ext uri="{FF2B5EF4-FFF2-40B4-BE49-F238E27FC236}">
-                <a16:creationId xmlns:a16="http://schemas.microsoft.com/office/drawing/2014/main" id="{45273C8C-9AEB-6057-CE0A-1FDED36D9972}"/>
+                <a16:creationId xmlns:a16="http://schemas.microsoft.com/office/drawing/2014/main" id="{A7948348-00F3-156D-63FF-EA302E46474F}"/>
               </a:ext>
             </a:extLst>
           </p:cNvPr>
@@ -2992,7 +2992,7 @@
             </a:lvl1pPr>
           </a:lstStyle>
           <a:p>
-            <a:fld id="{3CC73557-0FEA-427E-9700-7E5974543147}" type="slidenum">
+            <a:fld id="{68C31F04-F053-47CC-BE1A-22C79D980C4F}" type="slidenum">
               <a:rPr lang="zh-CN" altLang="en-US" smtClean="0"/>
               <a:t>‹#›</a:t>
             </a:fld>
@@ -3003,7 +3003,7 @@
     </p:spTree>
     <p:extLst>
       <p:ext uri="{BB962C8B-B14F-4D97-AF65-F5344CB8AC3E}">
-        <p14:creationId xmlns:p14="http://schemas.microsoft.com/office/powerpoint/2010/main" val="1915802864"/>
+        <p14:creationId xmlns:p14="http://schemas.microsoft.com/office/powerpoint/2010/main" val="1941561163"/>
       </p:ext>
     </p:extLst>
   </p:cSld>
